--- a/lecture-01/slides/lecture-01.pptx
+++ b/lecture-01/slides/lecture-01.pptx
@@ -227,7 +227,7 @@
           <a:p>
             <a:fld id="{C69EABAB-9D91-4CDE-ACCB-194F39610613}" type="datetimeFigureOut">
               <a:rPr lang="en-US" smtClean="0"/>
-              <a:t>1/7/20</a:t>
+              <a:t>1/8/20</a:t>
             </a:fld>
             <a:endParaRPr lang="en-US"/>
           </a:p>
@@ -789,7 +789,7 @@
           <a:p>
             <a:fld id="{1036494F-4D18-40B2-852C-10FC0313495B}" type="datetimeFigureOut">
               <a:rPr lang="en-US" smtClean="0"/>
-              <a:t>1/7/20</a:t>
+              <a:t>1/8/20</a:t>
             </a:fld>
             <a:endParaRPr lang="en-US"/>
           </a:p>
@@ -998,7 +998,7 @@
           <a:p>
             <a:fld id="{1036494F-4D18-40B2-852C-10FC0313495B}" type="datetimeFigureOut">
               <a:rPr lang="en-US" smtClean="0"/>
-              <a:t>1/7/20</a:t>
+              <a:t>1/8/20</a:t>
             </a:fld>
             <a:endParaRPr lang="en-US"/>
           </a:p>
@@ -1369,7 +1369,7 @@
           <a:p>
             <a:fld id="{1036494F-4D18-40B2-852C-10FC0313495B}" type="datetimeFigureOut">
               <a:rPr lang="en-US" smtClean="0"/>
-              <a:t>1/7/20</a:t>
+              <a:t>1/8/20</a:t>
             </a:fld>
             <a:endParaRPr lang="en-US"/>
           </a:p>
@@ -2010,7 +2010,7 @@
           <a:p>
             <a:fld id="{1036494F-4D18-40B2-852C-10FC0313495B}" type="datetimeFigureOut">
               <a:rPr lang="en-US" smtClean="0"/>
-              <a:t>1/7/20</a:t>
+              <a:t>1/8/20</a:t>
             </a:fld>
             <a:endParaRPr lang="en-US"/>
           </a:p>
@@ -2315,7 +2315,7 @@
           <a:p>
             <a:fld id="{1036494F-4D18-40B2-852C-10FC0313495B}" type="datetimeFigureOut">
               <a:rPr lang="en-US" smtClean="0"/>
-              <a:t>1/7/20</a:t>
+              <a:t>1/8/20</a:t>
             </a:fld>
             <a:endParaRPr lang="en-US"/>
           </a:p>
@@ -2724,7 +2724,7 @@
           <a:p>
             <a:fld id="{1036494F-4D18-40B2-852C-10FC0313495B}" type="datetimeFigureOut">
               <a:rPr lang="en-US" smtClean="0"/>
-              <a:t>1/7/20</a:t>
+              <a:t>1/8/20</a:t>
             </a:fld>
             <a:endParaRPr lang="en-US"/>
           </a:p>
@@ -3095,7 +3095,7 @@
           <a:p>
             <a:fld id="{1036494F-4D18-40B2-852C-10FC0313495B}" type="datetimeFigureOut">
               <a:rPr lang="en-US" smtClean="0"/>
-              <a:t>1/7/20</a:t>
+              <a:t>1/8/20</a:t>
             </a:fld>
             <a:endParaRPr lang="en-US"/>
           </a:p>
@@ -3482,7 +3482,7 @@
           <a:p>
             <a:fld id="{1036494F-4D18-40B2-852C-10FC0313495B}" type="datetimeFigureOut">
               <a:rPr lang="en-US" smtClean="0"/>
-              <a:t>1/7/20</a:t>
+              <a:t>1/8/20</a:t>
             </a:fld>
             <a:endParaRPr lang="en-US"/>
           </a:p>
@@ -3789,7 +3789,7 @@
           <a:p>
             <a:fld id="{1036494F-4D18-40B2-852C-10FC0313495B}" type="datetimeFigureOut">
               <a:rPr lang="en-US" smtClean="0"/>
-              <a:t>1/7/20</a:t>
+              <a:t>1/8/20</a:t>
             </a:fld>
             <a:endParaRPr lang="en-US"/>
           </a:p>
@@ -4075,7 +4075,7 @@
           <a:p>
             <a:fld id="{1036494F-4D18-40B2-852C-10FC0313495B}" type="datetimeFigureOut">
               <a:rPr lang="en-US" smtClean="0"/>
-              <a:t>1/7/20</a:t>
+              <a:t>1/8/20</a:t>
             </a:fld>
             <a:endParaRPr lang="en-US"/>
           </a:p>
@@ -4314,7 +4314,7 @@
           <a:p>
             <a:fld id="{1036494F-4D18-40B2-852C-10FC0313495B}" type="datetimeFigureOut">
               <a:rPr lang="en-US" smtClean="0"/>
-              <a:t>1/7/20</a:t>
+              <a:t>1/8/20</a:t>
             </a:fld>
             <a:endParaRPr lang="en-US"/>
           </a:p>
@@ -4527,7 +4527,7 @@
           <a:p>
             <a:fld id="{1036494F-4D18-40B2-852C-10FC0313495B}" type="datetimeFigureOut">
               <a:rPr lang="en-US" smtClean="0"/>
-              <a:t>1/7/20</a:t>
+              <a:t>1/8/20</a:t>
             </a:fld>
             <a:endParaRPr lang="en-US"/>
           </a:p>
@@ -4953,7 +4953,6 @@
               <a:rPr lang="en-US" dirty="0" smtClean="0"/>
               <a:t>Spring 2020</a:t>
             </a:r>
-            <a:endParaRPr lang="en-US" dirty="0" smtClean="0"/>
           </a:p>
           <a:p>
             <a:r>
@@ -7133,7 +7132,6 @@
               <a:rPr lang="en-US" dirty="0" smtClean="0"/>
               <a:t>Instructor</a:t>
             </a:r>
-            <a:endParaRPr lang="en-US" dirty="0" smtClean="0"/>
           </a:p>
           <a:p>
             <a:pPr lvl="1"/>
@@ -7152,17 +7150,12 @@
               <a:rPr lang="en-US" dirty="0" smtClean="0"/>
               <a:t>Graders</a:t>
             </a:r>
-            <a:endParaRPr lang="en-US" dirty="0" smtClean="0"/>
           </a:p>
           <a:p>
             <a:pPr lvl="1"/>
             <a:r>
               <a:rPr lang="en-US" dirty="0" smtClean="0"/>
-              <a:t>Conner </a:t>
-            </a:r>
-            <a:r>
-              <a:rPr lang="en-US" dirty="0" smtClean="0"/>
-              <a:t>Pinson</a:t>
+              <a:t>Conner Pinson</a:t>
             </a:r>
           </a:p>
           <a:p>
@@ -7359,12 +7352,12 @@
           <a:graphicData uri="http://schemas.openxmlformats.org/presentationml/2006/ole">
             <mc:AlternateContent xmlns:mc="http://schemas.openxmlformats.org/markup-compatibility/2006">
               <mc:Choice xmlns:v="urn:schemas-microsoft-com:vml" Requires="v">
-                <p:oleObj spid="_x0000_s8289" name="Document" r:id="rId3" imgW="6032522" imgH="3839175" progId="Word.Document.12">
+                <p:oleObj spid="_x0000_s8291" name="Document" r:id="rId4" imgW="6032522" imgH="3839175" progId="Word.Document.12">
                   <p:embed/>
                 </p:oleObj>
               </mc:Choice>
               <mc:Fallback>
-                <p:oleObj name="Document" r:id="rId3" imgW="6032522" imgH="3839175" progId="Word.Document.12">
+                <p:oleObj name="Document" r:id="rId4" imgW="6032522" imgH="3839175" progId="Word.Document.12">
                   <p:embed/>
                   <p:pic>
                     <p:nvPicPr>
@@ -7375,7 +7368,7 @@
                       <p:nvPr/>
                     </p:nvPicPr>
                     <p:blipFill>
-                      <a:blip r:embed="rId4"/>
+                      <a:blip r:embed="rId5"/>
                       <a:srcRect/>
                       <a:stretch>
                         <a:fillRect/>
@@ -11122,11 +11115,7 @@
           <a:p>
             <a:r>
               <a:rPr lang="en-US" sz="2000" dirty="0" smtClean="0"/>
-              <a:t>The </a:t>
-            </a:r>
-            <a:r>
-              <a:rPr lang="en-US" sz="2000" dirty="0" smtClean="0"/>
-              <a:t>next class will be a review of the C programming language, an overview of </a:t>
+              <a:t>The next class will be a review of the C programming language, an overview of </a:t>
             </a:r>
             <a:r>
               <a:rPr lang="en-US" sz="2000" dirty="0" err="1" smtClean="0"/>
@@ -11134,7 +11123,19 @@
             </a:r>
             <a:r>
               <a:rPr lang="en-US" sz="2000" dirty="0" smtClean="0"/>
-              <a:t>, and and an overview of Linux</a:t>
+              <a:t>, </a:t>
+            </a:r>
+            <a:r>
+              <a:rPr lang="en-US" sz="2000" smtClean="0"/>
+              <a:t>and </a:t>
+            </a:r>
+            <a:r>
+              <a:rPr lang="en-US" sz="2000" smtClean="0"/>
+              <a:t>an </a:t>
+            </a:r>
+            <a:r>
+              <a:rPr lang="en-US" sz="2000" dirty="0" smtClean="0"/>
+              <a:t>overview of Linux</a:t>
             </a:r>
           </a:p>
           <a:p>
@@ -11314,7 +11315,6 @@
               <a:rPr lang="en-US" dirty="0" smtClean="0"/>
               <a:t>TBD</a:t>
             </a:r>
-            <a:endParaRPr lang="en-US" dirty="0" smtClean="0"/>
           </a:p>
         </p:txBody>
       </p:sp>
@@ -11961,11 +11961,7 @@
           <a:p>
             <a:r>
               <a:rPr lang="en-US" dirty="0" smtClean="0"/>
-              <a:t>If you have not already done so, I need your </a:t>
-            </a:r>
-            <a:r>
-              <a:rPr lang="en-US" dirty="0" smtClean="0"/>
-              <a:t>response: </a:t>
+              <a:t>If you have not already done so, I need your response: </a:t>
             </a:r>
             <a:r>
               <a:rPr lang="en-US" dirty="0">
